--- a/commerce_case_study.pptx
+++ b/commerce_case_study.pptx
@@ -14,6 +14,8 @@
     <p:sldId id="262" r:id="rId8"/>
     <p:sldId id="261" r:id="rId9"/>
     <p:sldId id="263" r:id="rId10"/>
+    <p:sldId id="265" r:id="rId11"/>
+    <p:sldId id="266" r:id="rId12"/>
   </p:sldIdLst>
   <p:sldSz cx="12192000" cy="6858000"/>
   <p:notesSz cx="6858000" cy="9144000"/>
@@ -3435,6 +3437,243 @@
 </p:sld>
 </file>
 
+<file path=ppt/slides/slide10.xml><?xml version="1.0" encoding="utf-8"?>
+<p:sld xmlns:a="http://schemas.openxmlformats.org/drawingml/2006/main" xmlns:r="http://schemas.openxmlformats.org/officeDocument/2006/relationships" xmlns:p="http://schemas.openxmlformats.org/presentationml/2006/main">
+  <p:cSld>
+    <p:spTree>
+      <p:nvGrpSpPr>
+        <p:cNvPr id="1" name=""/>
+        <p:cNvGrpSpPr/>
+        <p:nvPr/>
+      </p:nvGrpSpPr>
+      <p:grpSpPr>
+        <a:xfrm>
+          <a:off x="0" y="0"/>
+          <a:ext cx="0" cy="0"/>
+          <a:chOff x="0" y="0"/>
+          <a:chExt cx="0" cy="0"/>
+        </a:xfrm>
+      </p:grpSpPr>
+      <p:sp>
+        <p:nvSpPr>
+          <p:cNvPr id="2" name="Title 1">
+            <a:extLst>
+              <a:ext uri="{FF2B5EF4-FFF2-40B4-BE49-F238E27FC236}">
+                <a16:creationId xmlns:a16="http://schemas.microsoft.com/office/drawing/2014/main" id="{E9D2E3F7-9592-4187-8F43-1EF34A6AB622}"/>
+              </a:ext>
+            </a:extLst>
+          </p:cNvPr>
+          <p:cNvSpPr>
+            <a:spLocks noGrp="1"/>
+          </p:cNvSpPr>
+          <p:nvPr>
+            <p:ph type="title"/>
+          </p:nvPr>
+        </p:nvSpPr>
+        <p:spPr/>
+        <p:txBody>
+          <a:bodyPr/>
+          <a:lstStyle/>
+          <a:p>
+            <a:r>
+              <a:rPr lang="en-US" dirty="0"/>
+              <a:t>Glossary (9/9) </a:t>
+            </a:r>
+            <a:endParaRPr lang="en-ID" dirty="0"/>
+          </a:p>
+        </p:txBody>
+      </p:sp>
+      <p:sp>
+        <p:nvSpPr>
+          <p:cNvPr id="3" name="Content Placeholder 2">
+            <a:extLst>
+              <a:ext uri="{FF2B5EF4-FFF2-40B4-BE49-F238E27FC236}">
+                <a16:creationId xmlns:a16="http://schemas.microsoft.com/office/drawing/2014/main" id="{E93FF938-47CA-46BE-8779-7104BDB31FD6}"/>
+              </a:ext>
+            </a:extLst>
+          </p:cNvPr>
+          <p:cNvSpPr>
+            <a:spLocks noGrp="1"/>
+          </p:cNvSpPr>
+          <p:nvPr>
+            <p:ph idx="1"/>
+          </p:nvPr>
+        </p:nvSpPr>
+        <p:spPr/>
+        <p:txBody>
+          <a:bodyPr>
+            <a:normAutofit/>
+          </a:bodyPr>
+          <a:lstStyle/>
+          <a:p>
+            <a:r>
+              <a:rPr lang="en-US" sz="3200" dirty="0"/>
+              <a:t>Project Overview</a:t>
+            </a:r>
+          </a:p>
+          <a:p>
+            <a:pPr marL="266700" indent="0">
+              <a:buNone/>
+            </a:pPr>
+            <a:r>
+              <a:rPr lang="en-US" sz="3200" dirty="0">
+                <a:hlinkClick r:id="rId2"/>
+              </a:rPr>
+              <a:t>https://github.com/commerce-case-study/a-documentation</a:t>
+            </a:r>
+            <a:endParaRPr lang="en-US" sz="3200" dirty="0"/>
+          </a:p>
+          <a:p>
+            <a:pPr marL="266700" indent="-266700"/>
+            <a:r>
+              <a:rPr lang="en-US" sz="3200" dirty="0"/>
+              <a:t>Repository</a:t>
+            </a:r>
+          </a:p>
+          <a:p>
+            <a:pPr marL="266700" indent="0">
+              <a:buNone/>
+            </a:pPr>
+            <a:r>
+              <a:rPr lang="en-US" sz="3200" dirty="0">
+                <a:hlinkClick r:id="rId3"/>
+              </a:rPr>
+              <a:t>https://github.com/commerce-case-study</a:t>
+            </a:r>
+            <a:endParaRPr lang="en-US" sz="3200" dirty="0"/>
+          </a:p>
+          <a:p>
+            <a:pPr marL="266700" indent="-266700"/>
+            <a:r>
+              <a:rPr lang="en-US" sz="3200" dirty="0"/>
+              <a:t>Sample Request </a:t>
+            </a:r>
+          </a:p>
+          <a:p>
+            <a:pPr marL="266700" indent="0">
+              <a:buNone/>
+            </a:pPr>
+            <a:r>
+              <a:rPr lang="en-US" sz="3200" dirty="0">
+                <a:hlinkClick r:id="rId4"/>
+              </a:rPr>
+              <a:t>https://github.com/commerce-case-study/a-documentation/blob/main/sample-request-response.txt</a:t>
+            </a:r>
+            <a:endParaRPr lang="en-US" sz="3200" dirty="0"/>
+          </a:p>
+          <a:p>
+            <a:pPr marL="266700" indent="-266700"/>
+            <a:endParaRPr lang="en-US" sz="3200" dirty="0"/>
+          </a:p>
+        </p:txBody>
+      </p:sp>
+    </p:spTree>
+    <p:extLst>
+      <p:ext uri="{BB962C8B-B14F-4D97-AF65-F5344CB8AC3E}">
+        <p14:creationId xmlns:p14="http://schemas.microsoft.com/office/powerpoint/2010/main" val="3512619845"/>
+      </p:ext>
+    </p:extLst>
+  </p:cSld>
+  <p:clrMapOvr>
+    <a:masterClrMapping/>
+  </p:clrMapOvr>
+</p:sld>
+</file>
+
+<file path=ppt/slides/slide11.xml><?xml version="1.0" encoding="utf-8"?>
+<p:sld xmlns:a="http://schemas.openxmlformats.org/drawingml/2006/main" xmlns:r="http://schemas.openxmlformats.org/officeDocument/2006/relationships" xmlns:p="http://schemas.openxmlformats.org/presentationml/2006/main">
+  <p:cSld>
+    <p:spTree>
+      <p:nvGrpSpPr>
+        <p:cNvPr id="1" name=""/>
+        <p:cNvGrpSpPr/>
+        <p:nvPr/>
+      </p:nvGrpSpPr>
+      <p:grpSpPr>
+        <a:xfrm>
+          <a:off x="0" y="0"/>
+          <a:ext cx="0" cy="0"/>
+          <a:chOff x="0" y="0"/>
+          <a:chExt cx="0" cy="0"/>
+        </a:xfrm>
+      </p:grpSpPr>
+      <p:sp>
+        <p:nvSpPr>
+          <p:cNvPr id="8" name="Title 7">
+            <a:extLst>
+              <a:ext uri="{FF2B5EF4-FFF2-40B4-BE49-F238E27FC236}">
+                <a16:creationId xmlns:a16="http://schemas.microsoft.com/office/drawing/2014/main" id="{4C966545-BF50-4C89-8EEB-3B5364648D77}"/>
+              </a:ext>
+            </a:extLst>
+          </p:cNvPr>
+          <p:cNvSpPr>
+            <a:spLocks noGrp="1"/>
+          </p:cNvSpPr>
+          <p:nvPr>
+            <p:ph type="ctrTitle"/>
+          </p:nvPr>
+        </p:nvSpPr>
+        <p:spPr/>
+        <p:txBody>
+          <a:bodyPr/>
+          <a:lstStyle/>
+          <a:p>
+            <a:r>
+              <a:rPr lang="en-US" dirty="0"/>
+              <a:t>Thank you for your Time</a:t>
+            </a:r>
+            <a:endParaRPr lang="en-ID" dirty="0"/>
+          </a:p>
+        </p:txBody>
+      </p:sp>
+      <p:sp>
+        <p:nvSpPr>
+          <p:cNvPr id="9" name="Subtitle 8">
+            <a:extLst>
+              <a:ext uri="{FF2B5EF4-FFF2-40B4-BE49-F238E27FC236}">
+                <a16:creationId xmlns:a16="http://schemas.microsoft.com/office/drawing/2014/main" id="{9BD6F519-22FF-4E4D-9575-F8C6A05A27E1}"/>
+              </a:ext>
+            </a:extLst>
+          </p:cNvPr>
+          <p:cNvSpPr>
+            <a:spLocks noGrp="1"/>
+          </p:cNvSpPr>
+          <p:nvPr>
+            <p:ph type="subTitle" idx="1"/>
+          </p:nvPr>
+        </p:nvSpPr>
+        <p:spPr/>
+        <p:txBody>
+          <a:bodyPr/>
+          <a:lstStyle/>
+          <a:p>
+            <a:endParaRPr lang="en-US" dirty="0"/>
+          </a:p>
+          <a:p>
+            <a:r>
+              <a:rPr lang="en-US" dirty="0"/>
+              <a:t>done</a:t>
+            </a:r>
+            <a:endParaRPr lang="en-ID" dirty="0"/>
+          </a:p>
+          <a:p>
+            <a:endParaRPr lang="en-ID" dirty="0"/>
+          </a:p>
+        </p:txBody>
+      </p:sp>
+    </p:spTree>
+    <p:extLst>
+      <p:ext uri="{BB962C8B-B14F-4D97-AF65-F5344CB8AC3E}">
+        <p14:creationId xmlns:p14="http://schemas.microsoft.com/office/powerpoint/2010/main" val="3970886823"/>
+      </p:ext>
+    </p:extLst>
+  </p:cSld>
+  <p:clrMapOvr>
+    <a:masterClrMapping/>
+  </p:clrMapOvr>
+</p:sld>
+</file>
+
 <file path=ppt/slides/slide2.xml><?xml version="1.0" encoding="utf-8"?>
 <p:sld xmlns:a="http://schemas.openxmlformats.org/drawingml/2006/main" xmlns:r="http://schemas.openxmlformats.org/officeDocument/2006/relationships" xmlns:p="http://schemas.openxmlformats.org/presentationml/2006/main">
   <p:cSld>
@@ -3475,7 +3714,7 @@
           <a:p>
             <a:r>
               <a:rPr lang="en-US" dirty="0"/>
-              <a:t>Architecture (1/8)</a:t>
+              <a:t>Architecture (1/9)</a:t>
             </a:r>
             <a:endParaRPr lang="en-ID" dirty="0"/>
           </a:p>
@@ -3563,7 +3802,7 @@
           <a:p>
             <a:r>
               <a:rPr lang="en-US" dirty="0"/>
-              <a:t>Service Relationship (2/8)</a:t>
+              <a:t>Service Relationship (2/9)</a:t>
             </a:r>
             <a:endParaRPr lang="en-ID" dirty="0"/>
           </a:p>
@@ -3660,7 +3899,7 @@
             </a:r>
             <a:r>
               <a:rPr lang="en-US" dirty="0"/>
-              <a:t>) (3/8)</a:t>
+              <a:t>) (3/9)</a:t>
             </a:r>
             <a:endParaRPr lang="en-ID" dirty="0"/>
           </a:p>
@@ -3789,7 +4028,7 @@
           <a:p>
             <a:r>
               <a:rPr lang="en-US" dirty="0"/>
-              <a:t>User (4/8) </a:t>
+              <a:t>User (4/9) </a:t>
             </a:r>
             <a:endParaRPr lang="en-ID" dirty="0"/>
           </a:p>
@@ -3878,7 +4117,7 @@
           <a:p>
             <a:r>
               <a:rPr lang="en-US" dirty="0"/>
-              <a:t>Order and Payment #1 (5/8) </a:t>
+              <a:t>Order and Payment #1 (5/9) </a:t>
             </a:r>
             <a:endParaRPr lang="en-ID" dirty="0"/>
           </a:p>
@@ -3967,7 +4206,7 @@
           <a:p>
             <a:r>
               <a:rPr lang="en-US" dirty="0"/>
-              <a:t>Order and Payment #1 (6/8) </a:t>
+              <a:t>Order and Payment #1 (6/9) </a:t>
             </a:r>
             <a:endParaRPr lang="en-ID" dirty="0"/>
           </a:p>
@@ -4083,7 +4322,7 @@
           <a:p>
             <a:r>
               <a:rPr lang="en-US" dirty="0"/>
-              <a:t>Order and Payment #2 (7/8) </a:t>
+              <a:t>Order and Payment #2 (7/9) </a:t>
             </a:r>
             <a:endParaRPr lang="en-ID" dirty="0"/>
           </a:p>
@@ -4172,7 +4411,7 @@
           <a:p>
             <a:r>
               <a:rPr lang="en-US" dirty="0"/>
-              <a:t>Order and Payment #1 (8/8) </a:t>
+              <a:t>Order and Payment #1 (8/9) </a:t>
             </a:r>
             <a:endParaRPr lang="en-ID" dirty="0"/>
           </a:p>
